--- a/trunk/SSE3/MartinPresentation/project.pptx
+++ b/trunk/SSE3/MartinPresentation/project.pptx
@@ -3138,7 +3138,6 @@
               <a:rPr lang="en-US" dirty="0" smtClean="0"/>
               <a:t>Trends, Pattern recognition, Early Warning System </a:t>
             </a:r>
-            <a:endParaRPr lang="en-US" dirty="0" smtClean="0"/>
           </a:p>
           <a:p>
             <a:pPr lvl="1"/>
@@ -3346,6 +3345,23 @@
           <a:bodyPr/>
           <a:lstStyle/>
           <a:p>
+            <a:r>
+              <a:rPr lang="en-US" dirty="0" smtClean="0"/>
+              <a:t>Limits to Twitter API</a:t>
+            </a:r>
+          </a:p>
+          <a:p>
+            <a:r>
+              <a:rPr lang="en-US" dirty="0" smtClean="0"/>
+              <a:t>Crawling Twitter</a:t>
+            </a:r>
+          </a:p>
+          <a:p>
+            <a:pPr lvl="1"/>
+            <a:r>
+              <a:rPr lang="en-US" dirty="0" smtClean="0"/>
+              <a:t>Web Crawler</a:t>
+            </a:r>
             <a:endParaRPr lang="en-US" dirty="0"/>
           </a:p>
         </p:txBody>
@@ -3397,7 +3413,7 @@
           <a:p>
             <a:r>
               <a:rPr lang="en-US" dirty="0" smtClean="0"/>
-              <a:t>Gathering and Limitations</a:t>
+              <a:t>Demonstration</a:t>
             </a:r>
             <a:endParaRPr lang="en-US" dirty="0"/>
           </a:p>

--- a/trunk/SSE3/MartinPresentation/project.pptx
+++ b/trunk/SSE3/MartinPresentation/project.pptx
@@ -7,8 +7,8 @@
   <p:sldIdLst>
     <p:sldId id="257" r:id="rId2"/>
     <p:sldId id="258" r:id="rId3"/>
-    <p:sldId id="259" r:id="rId4"/>
-    <p:sldId id="260" r:id="rId5"/>
+    <p:sldId id="260" r:id="rId4"/>
+    <p:sldId id="259" r:id="rId5"/>
     <p:sldId id="261" r:id="rId6"/>
   </p:sldIdLst>
   <p:sldSz cx="9144000" cy="6858000" type="screen4x3"/>
@@ -3124,13 +3124,10 @@
               <a:t>Search, Patterns (</a:t>
             </a:r>
             <a:r>
-              <a:rPr lang="en-US" dirty="0" err="1" smtClean="0"/>
-              <a:t>Reg</a:t>
-            </a:r>
-            <a:r>
               <a:rPr lang="en-US" dirty="0" smtClean="0"/>
-              <a:t> Ex)</a:t>
-            </a:r>
+              <a:t>Regular Expression)</a:t>
+            </a:r>
+            <a:endParaRPr lang="en-US" dirty="0" smtClean="0"/>
           </a:p>
           <a:p>
             <a:pPr lvl="1"/>
@@ -3211,10 +3208,113 @@
           <a:bodyPr/>
           <a:lstStyle/>
           <a:p>
+            <a:r>
+              <a:rPr lang="en-US" i="1" dirty="0" smtClean="0"/>
+              <a:t>140 Characters</a:t>
+            </a:r>
+          </a:p>
+          <a:p>
+            <a:r>
+              <a:rPr lang="en-US" i="1" dirty="0" smtClean="0"/>
+              <a:t>Name</a:t>
+            </a:r>
+          </a:p>
+          <a:p>
+            <a:pPr lvl="1"/>
+            <a:r>
+              <a:rPr lang="en-US" i="1" dirty="0" smtClean="0"/>
+              <a:t>Sender</a:t>
+            </a:r>
+          </a:p>
+          <a:p>
+            <a:pPr lvl="1"/>
+            <a:r>
+              <a:rPr lang="en-US" i="1" dirty="0" smtClean="0"/>
+              <a:t>Recipient</a:t>
+            </a:r>
+          </a:p>
+          <a:p>
+            <a:r>
+              <a:rPr lang="en-US" i="1" dirty="0" smtClean="0"/>
+              <a:t>Time, Date</a:t>
+            </a:r>
+          </a:p>
+          <a:p>
+            <a:r>
+              <a:rPr lang="en-US" i="1" dirty="0" smtClean="0"/>
+              <a:t>Tweet ID number</a:t>
+            </a:r>
+          </a:p>
+          <a:p>
+            <a:pPr lvl="1"/>
             <a:endParaRPr lang="en-US" i="1" dirty="0" smtClean="0"/>
           </a:p>
         </p:txBody>
       </p:sp>
+      <p:pic>
+        <p:nvPicPr>
+          <p:cNvPr id="1026" name="Picture 2"/>
+          <p:cNvPicPr>
+            <a:picLocks noChangeAspect="1" noChangeArrowheads="1"/>
+          </p:cNvPicPr>
+          <p:nvPr/>
+        </p:nvPicPr>
+        <p:blipFill>
+          <a:blip r:embed="rId2">
+            <a:extLst>
+              <a:ext uri="{28A0092B-C50C-407E-A947-70E740481C1C}">
+                <a14:useLocalDpi xmlns:a14="http://schemas.microsoft.com/office/drawing/2010/main" val="0"/>
+              </a:ext>
+            </a:extLst>
+          </a:blip>
+          <a:srcRect/>
+          <a:stretch>
+            <a:fillRect/>
+          </a:stretch>
+        </p:blipFill>
+        <p:spPr bwMode="auto">
+          <a:xfrm>
+            <a:off x="5076056" y="2132856"/>
+            <a:ext cx="3886200" cy="4543425"/>
+          </a:xfrm>
+          <a:prstGeom prst="rect">
+            <a:avLst/>
+          </a:prstGeom>
+          <a:noFill/>
+          <a:ln>
+            <a:noFill/>
+          </a:ln>
+          <a:effectLst/>
+          <a:extLst>
+            <a:ext uri="{909E8E84-426E-40DD-AFC4-6F175D3DCCD1}">
+              <a14:hiddenFill xmlns:a14="http://schemas.microsoft.com/office/drawing/2010/main">
+                <a:solidFill>
+                  <a:schemeClr val="accent1"/>
+                </a:solidFill>
+              </a14:hiddenFill>
+            </a:ext>
+            <a:ext uri="{91240B29-F687-4F45-9708-019B960494DF}">
+              <a14:hiddenLine xmlns:a14="http://schemas.microsoft.com/office/drawing/2010/main" w="9525">
+                <a:solidFill>
+                  <a:schemeClr val="tx1"/>
+                </a:solidFill>
+                <a:miter lim="800000"/>
+                <a:headEnd/>
+                <a:tailEnd/>
+              </a14:hiddenLine>
+            </a:ext>
+            <a:ext uri="{AF507438-7753-43E0-B8FC-AC1667EBCBE1}">
+              <a14:hiddenEffects xmlns:a14="http://schemas.microsoft.com/office/drawing/2010/main">
+                <a:effectLst>
+                  <a:outerShdw dist="35921" dir="2700000" algn="ctr" rotWithShape="0">
+                    <a:schemeClr val="bg2"/>
+                  </a:outerShdw>
+                </a:effectLst>
+              </a14:hiddenEffects>
+            </a:ext>
+          </a:extLst>
+        </p:spPr>
+      </p:pic>
     </p:spTree>
   </p:cSld>
   <p:clrMapOvr>
@@ -3278,11 +3378,33 @@
           <a:bodyPr/>
           <a:lstStyle/>
           <a:p>
+            <a:r>
+              <a:rPr lang="en-US" dirty="0" smtClean="0"/>
+              <a:t>Limits to Twitter API</a:t>
+            </a:r>
+          </a:p>
+          <a:p>
+            <a:r>
+              <a:rPr lang="en-US" dirty="0" smtClean="0"/>
+              <a:t>Crawling Twitter</a:t>
+            </a:r>
+          </a:p>
+          <a:p>
+            <a:pPr lvl="1"/>
+            <a:r>
+              <a:rPr lang="en-US" dirty="0" smtClean="0"/>
+              <a:t>Web Crawler</a:t>
+            </a:r>
             <a:endParaRPr lang="en-US" dirty="0"/>
           </a:p>
         </p:txBody>
       </p:sp>
     </p:spTree>
+    <p:extLst>
+      <p:ext uri="{BB962C8B-B14F-4D97-AF65-F5344CB8AC3E}">
+        <p14:creationId xmlns:p14="http://schemas.microsoft.com/office/powerpoint/2010/main" val="3359950604"/>
+      </p:ext>
+    </p:extLst>
   </p:cSld>
   <p:clrMapOvr>
     <a:masterClrMapping/>
@@ -3324,7 +3446,7 @@
           <a:p>
             <a:r>
               <a:rPr lang="en-US" dirty="0" smtClean="0"/>
-              <a:t>Gathering and Limitations</a:t>
+              <a:t>Social Network Analysis</a:t>
             </a:r>
             <a:endParaRPr lang="en-US" dirty="0"/>
           </a:p>
@@ -3346,32 +3468,84 @@
           <a:lstStyle/>
           <a:p>
             <a:r>
+              <a:rPr lang="en-US" dirty="0"/>
+              <a:t>Ambient </a:t>
+            </a:r>
+            <a:r>
               <a:rPr lang="en-US" dirty="0" smtClean="0"/>
-              <a:t>Limits to Twitter API</a:t>
-            </a:r>
-          </a:p>
-          <a:p>
-            <a:r>
-              <a:rPr lang="en-US" dirty="0" smtClean="0"/>
-              <a:t>Crawling Twitter</a:t>
-            </a:r>
-          </a:p>
-          <a:p>
-            <a:pPr lvl="1"/>
-            <a:r>
-              <a:rPr lang="en-US" dirty="0" smtClean="0"/>
-              <a:t>Web Crawler</a:t>
-            </a:r>
+              <a:t>awareness</a:t>
+            </a:r>
+          </a:p>
+          <a:p>
             <a:endParaRPr lang="en-US" dirty="0"/>
           </a:p>
         </p:txBody>
       </p:sp>
+      <p:pic>
+        <p:nvPicPr>
+          <p:cNvPr id="2050" name="Picture 2"/>
+          <p:cNvPicPr>
+            <a:picLocks noChangeAspect="1" noChangeArrowheads="1"/>
+          </p:cNvPicPr>
+          <p:nvPr/>
+        </p:nvPicPr>
+        <p:blipFill>
+          <a:blip r:embed="rId2">
+            <a:extLst>
+              <a:ext uri="{28A0092B-C50C-407E-A947-70E740481C1C}">
+                <a14:useLocalDpi xmlns:a14="http://schemas.microsoft.com/office/drawing/2010/main" val="0"/>
+              </a:ext>
+            </a:extLst>
+          </a:blip>
+          <a:srcRect/>
+          <a:stretch>
+            <a:fillRect/>
+          </a:stretch>
+        </p:blipFill>
+        <p:spPr bwMode="auto">
+          <a:xfrm>
+            <a:off x="4454044" y="3212976"/>
+            <a:ext cx="4535487" cy="3498850"/>
+          </a:xfrm>
+          <a:prstGeom prst="rect">
+            <a:avLst/>
+          </a:prstGeom>
+          <a:noFill/>
+          <a:ln>
+            <a:noFill/>
+          </a:ln>
+          <a:effectLst/>
+          <a:extLst>
+            <a:ext uri="{909E8E84-426E-40DD-AFC4-6F175D3DCCD1}">
+              <a14:hiddenFill xmlns:a14="http://schemas.microsoft.com/office/drawing/2010/main">
+                <a:solidFill>
+                  <a:schemeClr val="accent1"/>
+                </a:solidFill>
+              </a14:hiddenFill>
+            </a:ext>
+            <a:ext uri="{91240B29-F687-4F45-9708-019B960494DF}">
+              <a14:hiddenLine xmlns:a14="http://schemas.microsoft.com/office/drawing/2010/main" w="9525">
+                <a:solidFill>
+                  <a:schemeClr val="tx1"/>
+                </a:solidFill>
+                <a:miter lim="800000"/>
+                <a:headEnd/>
+                <a:tailEnd/>
+              </a14:hiddenLine>
+            </a:ext>
+            <a:ext uri="{AF507438-7753-43E0-B8FC-AC1667EBCBE1}">
+              <a14:hiddenEffects xmlns:a14="http://schemas.microsoft.com/office/drawing/2010/main">
+                <a:effectLst>
+                  <a:outerShdw dist="35921" dir="2700000" algn="ctr" rotWithShape="0">
+                    <a:schemeClr val="bg2"/>
+                  </a:outerShdw>
+                </a:effectLst>
+              </a14:hiddenEffects>
+            </a:ext>
+          </a:extLst>
+        </p:spPr>
+      </p:pic>
     </p:spTree>
-    <p:extLst>
-      <p:ext uri="{BB962C8B-B14F-4D97-AF65-F5344CB8AC3E}">
-        <p14:creationId xmlns:p14="http://schemas.microsoft.com/office/powerpoint/2010/main" val="3359950604"/>
-      </p:ext>
-    </p:extLst>
   </p:cSld>
   <p:clrMapOvr>
     <a:masterClrMapping/>

--- a/trunk/SSE3/MartinPresentation/project.pptx
+++ b/trunk/SSE3/MartinPresentation/project.pptx
@@ -7,9 +7,10 @@
   <p:sldIdLst>
     <p:sldId id="257" r:id="rId2"/>
     <p:sldId id="258" r:id="rId3"/>
-    <p:sldId id="260" r:id="rId4"/>
-    <p:sldId id="259" r:id="rId5"/>
+    <p:sldId id="259" r:id="rId4"/>
+    <p:sldId id="260" r:id="rId5"/>
     <p:sldId id="261" r:id="rId6"/>
+    <p:sldId id="262" r:id="rId7"/>
   </p:sldIdLst>
   <p:sldSz cx="9144000" cy="6858000" type="screen4x3"/>
   <p:notesSz cx="6858000" cy="9144000"/>
@@ -3072,7 +3073,12 @@
             <p:ph idx="1"/>
           </p:nvPr>
         </p:nvSpPr>
-        <p:spPr/>
+        <p:spPr>
+          <a:xfrm>
+            <a:off x="457200" y="1600200"/>
+            <a:ext cx="8229600" cy="5257800"/>
+          </a:xfrm>
+        </p:spPr>
         <p:txBody>
           <a:bodyPr>
             <a:normAutofit/>
@@ -3092,52 +3098,79 @@
           </a:p>
           <a:p>
             <a:r>
-              <a:rPr lang="en-US" dirty="0"/>
-              <a:t>Twitter</a:t>
+              <a:rPr lang="en-US" dirty="0" smtClean="0"/>
+              <a:t>Twitter, Tweets</a:t>
+            </a:r>
+            <a:endParaRPr lang="en-US" dirty="0"/>
+          </a:p>
+          <a:p>
+            <a:r>
+              <a:rPr lang="en-US" dirty="0" smtClean="0"/>
+              <a:t>Small Messages</a:t>
             </a:r>
           </a:p>
           <a:p>
             <a:pPr lvl="1"/>
             <a:r>
               <a:rPr lang="en-US" dirty="0" smtClean="0"/>
-              <a:t>Tweets</a:t>
-            </a:r>
-            <a:endParaRPr lang="en-US" dirty="0"/>
-          </a:p>
-          <a:p>
-            <a:r>
-              <a:rPr lang="en-US" dirty="0" smtClean="0"/>
-              <a:t>Small Messages</a:t>
+              <a:t>Natural Language Processing (AI)</a:t>
             </a:r>
           </a:p>
           <a:p>
             <a:pPr lvl="1"/>
             <a:r>
               <a:rPr lang="en-US" dirty="0" smtClean="0"/>
-              <a:t>Natural Language Processing (AI)</a:t>
-            </a:r>
+              <a:t>Search, Patterns (</a:t>
+            </a:r>
+            <a:r>
+              <a:rPr lang="en-US" dirty="0" smtClean="0"/>
+              <a:t>Regular Expression)</a:t>
+            </a:r>
+            <a:endParaRPr lang="en-US" dirty="0" smtClean="0"/>
           </a:p>
           <a:p>
             <a:pPr lvl="1"/>
             <a:r>
               <a:rPr lang="en-US" dirty="0" smtClean="0"/>
-              <a:t>Search, Patterns (</a:t>
-            </a:r>
-            <a:r>
-              <a:rPr lang="en-US" dirty="0" smtClean="0"/>
-              <a:t>Regular Expression)</a:t>
-            </a:r>
-            <a:endParaRPr lang="en-US" dirty="0" smtClean="0"/>
-          </a:p>
-          <a:p>
-            <a:pPr lvl="1"/>
-            <a:r>
-              <a:rPr lang="en-US" dirty="0" smtClean="0"/>
-              <a:t>Trends, Pattern recognition, Early Warning System </a:t>
-            </a:r>
-          </a:p>
-          <a:p>
-            <a:pPr lvl="1"/>
+              <a:t>Trends, Pattern </a:t>
+            </a:r>
+            <a:r>
+              <a:rPr lang="en-US" dirty="0" smtClean="0"/>
+              <a:t>recognition</a:t>
+            </a:r>
+          </a:p>
+          <a:p>
+            <a:pPr lvl="2"/>
+            <a:r>
+              <a:rPr lang="en-US" dirty="0" smtClean="0"/>
+              <a:t>Early </a:t>
+            </a:r>
+            <a:r>
+              <a:rPr lang="en-US" dirty="0" smtClean="0"/>
+              <a:t>Warning </a:t>
+            </a:r>
+            <a:r>
+              <a:rPr lang="en-US" dirty="0" smtClean="0"/>
+              <a:t>System</a:t>
+            </a:r>
+          </a:p>
+          <a:p>
+            <a:pPr lvl="2"/>
+            <a:r>
+              <a:rPr lang="en-US" dirty="0" smtClean="0"/>
+              <a:t>M</a:t>
+            </a:r>
+            <a:r>
+              <a:rPr lang="en-US" dirty="0" smtClean="0"/>
+              <a:t>ass Surveillance</a:t>
+            </a:r>
+          </a:p>
+          <a:p>
+            <a:pPr lvl="2"/>
+            <a:r>
+              <a:rPr lang="en-US" dirty="0" smtClean="0"/>
+              <a:t>Total Information Awareness (TIA)</a:t>
+            </a:r>
             <a:endParaRPr lang="en-US" dirty="0" smtClean="0"/>
           </a:p>
           <a:p>
@@ -3357,7 +3390,7 @@
           <a:p>
             <a:r>
               <a:rPr lang="en-US" dirty="0" smtClean="0"/>
-              <a:t>Gathering and Limitations</a:t>
+              <a:t>Social Network Analysis</a:t>
             </a:r>
             <a:endParaRPr lang="en-US" dirty="0"/>
           </a:p>
@@ -3373,108 +3406,118 @@
             <p:ph idx="1"/>
           </p:nvPr>
         </p:nvSpPr>
-        <p:spPr/>
-        <p:txBody>
-          <a:bodyPr/>
-          <a:lstStyle/>
-          <a:p>
-            <a:r>
-              <a:rPr lang="en-US" dirty="0" smtClean="0"/>
-              <a:t>Limits to Twitter API</a:t>
-            </a:r>
-          </a:p>
-          <a:p>
-            <a:r>
-              <a:rPr lang="en-US" dirty="0" smtClean="0"/>
-              <a:t>Crawling Twitter</a:t>
+        <p:spPr>
+          <a:xfrm>
+            <a:off x="457200" y="1600200"/>
+            <a:ext cx="8229600" cy="5257800"/>
+          </a:xfrm>
+        </p:spPr>
+        <p:txBody>
+          <a:bodyPr>
+            <a:normAutofit lnSpcReduction="10000"/>
+          </a:bodyPr>
+          <a:lstStyle/>
+          <a:p>
+            <a:r>
+              <a:rPr lang="en-US" dirty="0" smtClean="0"/>
+              <a:t>A field in Knowledge Management</a:t>
+            </a:r>
+          </a:p>
+          <a:p>
+            <a:r>
+              <a:rPr lang="en-US" dirty="0" smtClean="0"/>
+              <a:t>Can be apart of Total Information Awareness</a:t>
+            </a:r>
+          </a:p>
+          <a:p>
+            <a:pPr lvl="3"/>
+            <a:r>
+              <a:rPr lang="en-US" dirty="0" smtClean="0"/>
+              <a:t>personal e-mails, </a:t>
+            </a:r>
+            <a:r>
+              <a:rPr lang="en-US" dirty="0"/>
+              <a:t>credit card </a:t>
+            </a:r>
+            <a:r>
+              <a:rPr lang="en-US" dirty="0" smtClean="0"/>
+              <a:t>record, </a:t>
+            </a:r>
+            <a:r>
+              <a:rPr lang="en-US" dirty="0"/>
+              <a:t>phone </a:t>
+            </a:r>
+            <a:r>
+              <a:rPr lang="en-US" dirty="0" smtClean="0"/>
+              <a:t>calls, medical records</a:t>
+            </a:r>
+            <a:endParaRPr lang="en-US" dirty="0"/>
+          </a:p>
+          <a:p>
+            <a:pPr lvl="3"/>
+            <a:r>
+              <a:rPr lang="en-US" dirty="0"/>
+              <a:t>social network analysis</a:t>
+            </a:r>
+          </a:p>
+          <a:p>
+            <a:pPr lvl="3"/>
+            <a:r>
+              <a:rPr lang="en-US" dirty="0" smtClean="0"/>
+              <a:t>numerous </a:t>
+            </a:r>
+            <a:r>
+              <a:rPr lang="en-US" dirty="0"/>
+              <a:t>other </a:t>
+            </a:r>
+            <a:r>
+              <a:rPr lang="en-US" dirty="0" smtClean="0"/>
+              <a:t>sources</a:t>
+            </a:r>
+          </a:p>
+          <a:p>
+            <a:r>
+              <a:rPr lang="en-US" dirty="0" smtClean="0"/>
+              <a:t>Ambient awareness</a:t>
             </a:r>
           </a:p>
           <a:p>
             <a:pPr lvl="1"/>
             <a:r>
               <a:rPr lang="en-US" dirty="0" smtClean="0"/>
-              <a:t>Web Crawler</a:t>
-            </a:r>
-            <a:endParaRPr lang="en-US" dirty="0"/>
-          </a:p>
-        </p:txBody>
-      </p:sp>
-    </p:spTree>
-    <p:extLst>
-      <p:ext uri="{BB962C8B-B14F-4D97-AF65-F5344CB8AC3E}">
-        <p14:creationId xmlns:p14="http://schemas.microsoft.com/office/powerpoint/2010/main" val="3359950604"/>
-      </p:ext>
-    </p:extLst>
-  </p:cSld>
-  <p:clrMapOvr>
-    <a:masterClrMapping/>
-  </p:clrMapOvr>
-</p:sld>
-</file>
-
-<file path=ppt/slides/slide4.xml><?xml version="1.0" encoding="utf-8"?>
-<p:sld xmlns:a="http://schemas.openxmlformats.org/drawingml/2006/main" xmlns:r="http://schemas.openxmlformats.org/officeDocument/2006/relationships" xmlns:p="http://schemas.openxmlformats.org/presentationml/2006/main">
-  <p:cSld>
-    <p:spTree>
-      <p:nvGrpSpPr>
-        <p:cNvPr id="1" name=""/>
-        <p:cNvGrpSpPr/>
-        <p:nvPr/>
-      </p:nvGrpSpPr>
-      <p:grpSpPr>
-        <a:xfrm>
-          <a:off x="0" y="0"/>
-          <a:ext cx="0" cy="0"/>
-          <a:chOff x="0" y="0"/>
-          <a:chExt cx="0" cy="0"/>
-        </a:xfrm>
-      </p:grpSpPr>
-      <p:sp>
-        <p:nvSpPr>
-          <p:cNvPr id="2" name="Titel 1"/>
-          <p:cNvSpPr>
-            <a:spLocks noGrp="1"/>
-          </p:cNvSpPr>
-          <p:nvPr>
-            <p:ph type="title"/>
-          </p:nvPr>
-        </p:nvSpPr>
-        <p:spPr/>
-        <p:txBody>
-          <a:bodyPr/>
-          <a:lstStyle/>
-          <a:p>
-            <a:r>
-              <a:rPr lang="en-US" dirty="0" smtClean="0"/>
-              <a:t>Social Network Analysis</a:t>
-            </a:r>
-            <a:endParaRPr lang="en-US" dirty="0"/>
-          </a:p>
-        </p:txBody>
-      </p:sp>
-      <p:sp>
-        <p:nvSpPr>
-          <p:cNvPr id="3" name="Pladsholder til indhold 2"/>
-          <p:cNvSpPr>
-            <a:spLocks noGrp="1"/>
-          </p:cNvSpPr>
-          <p:nvPr>
-            <p:ph idx="1"/>
-          </p:nvPr>
-        </p:nvSpPr>
-        <p:spPr/>
-        <p:txBody>
-          <a:bodyPr/>
-          <a:lstStyle/>
-          <a:p>
+              <a:t>Close connection</a:t>
+            </a:r>
+          </a:p>
+          <a:p>
+            <a:r>
+              <a:rPr lang="en-US" dirty="0" smtClean="0"/>
+              <a:t>Connectedness</a:t>
+            </a:r>
+          </a:p>
+          <a:p>
+            <a:pPr lvl="1"/>
+            <a:r>
+              <a:rPr lang="en-US" dirty="0" smtClean="0"/>
+              <a:t>Sender / recipient</a:t>
+            </a:r>
+          </a:p>
+          <a:p>
+            <a:pPr lvl="1"/>
             <a:r>
               <a:rPr lang="en-US" dirty="0"/>
-              <a:t>Ambient </a:t>
-            </a:r>
-            <a:r>
-              <a:rPr lang="en-US" dirty="0" smtClean="0"/>
-              <a:t>awareness</a:t>
-            </a:r>
+              <a:t>Node connection the profiles</a:t>
+            </a:r>
+          </a:p>
+          <a:p>
+            <a:pPr lvl="1"/>
+            <a:endParaRPr lang="en-US" dirty="0" smtClean="0"/>
+          </a:p>
+          <a:p>
+            <a:pPr lvl="1"/>
+            <a:endParaRPr lang="en-US" dirty="0" smtClean="0"/>
+          </a:p>
+          <a:p>
+            <a:endParaRPr lang="en-US" dirty="0" smtClean="0"/>
           </a:p>
           <a:p>
             <a:endParaRPr lang="en-US" dirty="0"/>
@@ -3504,8 +3547,8 @@
         </p:blipFill>
         <p:spPr bwMode="auto">
           <a:xfrm>
-            <a:off x="4454044" y="3212976"/>
-            <a:ext cx="4535487" cy="3498850"/>
+            <a:off x="5154152" y="3501008"/>
+            <a:ext cx="3989848" cy="3077923"/>
           </a:xfrm>
           <a:prstGeom prst="rect">
             <a:avLst/>
@@ -3553,6 +3596,147 @@
 </p:sld>
 </file>
 
+<file path=ppt/slides/slide4.xml><?xml version="1.0" encoding="utf-8"?>
+<p:sld xmlns:a="http://schemas.openxmlformats.org/drawingml/2006/main" xmlns:r="http://schemas.openxmlformats.org/officeDocument/2006/relationships" xmlns:p="http://schemas.openxmlformats.org/presentationml/2006/main">
+  <p:cSld>
+    <p:spTree>
+      <p:nvGrpSpPr>
+        <p:cNvPr id="1" name=""/>
+        <p:cNvGrpSpPr/>
+        <p:nvPr/>
+      </p:nvGrpSpPr>
+      <p:grpSpPr>
+        <a:xfrm>
+          <a:off x="0" y="0"/>
+          <a:ext cx="0" cy="0"/>
+          <a:chOff x="0" y="0"/>
+          <a:chExt cx="0" cy="0"/>
+        </a:xfrm>
+      </p:grpSpPr>
+      <p:sp>
+        <p:nvSpPr>
+          <p:cNvPr id="2" name="Titel 1"/>
+          <p:cNvSpPr>
+            <a:spLocks noGrp="1"/>
+          </p:cNvSpPr>
+          <p:nvPr>
+            <p:ph type="title"/>
+          </p:nvPr>
+        </p:nvSpPr>
+        <p:spPr/>
+        <p:txBody>
+          <a:bodyPr/>
+          <a:lstStyle/>
+          <a:p>
+            <a:r>
+              <a:rPr lang="en-US" dirty="0" smtClean="0"/>
+              <a:t>Gathering and Limitations</a:t>
+            </a:r>
+            <a:endParaRPr lang="en-US" dirty="0"/>
+          </a:p>
+        </p:txBody>
+      </p:sp>
+      <p:sp>
+        <p:nvSpPr>
+          <p:cNvPr id="3" name="Pladsholder til indhold 2"/>
+          <p:cNvSpPr>
+            <a:spLocks noGrp="1"/>
+          </p:cNvSpPr>
+          <p:nvPr>
+            <p:ph idx="1"/>
+          </p:nvPr>
+        </p:nvSpPr>
+        <p:spPr/>
+        <p:txBody>
+          <a:bodyPr/>
+          <a:lstStyle/>
+          <a:p>
+            <a:r>
+              <a:rPr lang="en-US" dirty="0" smtClean="0"/>
+              <a:t>Gather usin</a:t>
+            </a:r>
+            <a:r>
+              <a:rPr lang="en-US" dirty="0" smtClean="0"/>
+              <a:t>g Twitter API</a:t>
+            </a:r>
+          </a:p>
+          <a:p>
+            <a:pPr lvl="1"/>
+            <a:r>
+              <a:rPr lang="en-US" dirty="0" smtClean="0"/>
+              <a:t>Twitterizer Library for C#</a:t>
+            </a:r>
+          </a:p>
+          <a:p>
+            <a:r>
+              <a:rPr lang="en-US" dirty="0" smtClean="0"/>
+              <a:t>Limits </a:t>
+            </a:r>
+            <a:r>
+              <a:rPr lang="en-US" dirty="0" smtClean="0"/>
+              <a:t>to Twitter </a:t>
+            </a:r>
+            <a:r>
+              <a:rPr lang="en-US" dirty="0" smtClean="0"/>
+              <a:t>API</a:t>
+            </a:r>
+          </a:p>
+          <a:p>
+            <a:pPr lvl="1"/>
+            <a:r>
+              <a:rPr lang="en-US" dirty="0" smtClean="0"/>
+              <a:t>Rate Limit</a:t>
+            </a:r>
+          </a:p>
+          <a:p>
+            <a:pPr lvl="1"/>
+            <a:r>
+              <a:rPr lang="en-US" dirty="0" smtClean="0"/>
+              <a:t>Hourly HTTP Request Limit</a:t>
+            </a:r>
+            <a:endParaRPr lang="en-US" dirty="0" smtClean="0"/>
+          </a:p>
+          <a:p>
+            <a:r>
+              <a:rPr lang="en-US" dirty="0" smtClean="0"/>
+              <a:t>Crawling </a:t>
+            </a:r>
+            <a:r>
+              <a:rPr lang="en-US" dirty="0" smtClean="0"/>
+              <a:t>Twitter</a:t>
+            </a:r>
+          </a:p>
+          <a:p>
+            <a:pPr lvl="1"/>
+            <a:r>
+              <a:rPr lang="en-US" dirty="0" smtClean="0"/>
+              <a:t>Find Follower, and Following</a:t>
+            </a:r>
+            <a:endParaRPr lang="en-US" dirty="0" smtClean="0"/>
+          </a:p>
+          <a:p>
+            <a:pPr lvl="1"/>
+            <a:r>
+              <a:rPr lang="en-US" dirty="0" smtClean="0"/>
+              <a:t>Web Crawler</a:t>
+            </a:r>
+            <a:endParaRPr lang="en-US" dirty="0"/>
+          </a:p>
+        </p:txBody>
+      </p:sp>
+    </p:spTree>
+    <p:extLst>
+      <p:ext uri="{BB962C8B-B14F-4D97-AF65-F5344CB8AC3E}">
+        <p14:creationId xmlns:p14="http://schemas.microsoft.com/office/powerpoint/2010/main" val="3359950604"/>
+      </p:ext>
+    </p:extLst>
+  </p:cSld>
+  <p:clrMapOvr>
+    <a:masterClrMapping/>
+  </p:clrMapOvr>
+</p:sld>
+</file>
+
 <file path=ppt/slides/slide5.xml><?xml version="1.0" encoding="utf-8"?>
 <p:sld xmlns:a="http://schemas.openxmlformats.org/drawingml/2006/main" xmlns:r="http://schemas.openxmlformats.org/officeDocument/2006/relationships" xmlns:p="http://schemas.openxmlformats.org/presentationml/2006/main">
   <p:cSld>
@@ -3616,6 +3800,135 @@
     <p:extLst>
       <p:ext uri="{BB962C8B-B14F-4D97-AF65-F5344CB8AC3E}">
         <p14:creationId xmlns:p14="http://schemas.microsoft.com/office/powerpoint/2010/main" val="3617389536"/>
+      </p:ext>
+    </p:extLst>
+  </p:cSld>
+  <p:clrMapOvr>
+    <a:masterClrMapping/>
+  </p:clrMapOvr>
+</p:sld>
+</file>
+
+<file path=ppt/slides/slide6.xml><?xml version="1.0" encoding="utf-8"?>
+<p:sld xmlns:a="http://schemas.openxmlformats.org/drawingml/2006/main" xmlns:r="http://schemas.openxmlformats.org/officeDocument/2006/relationships" xmlns:p="http://schemas.openxmlformats.org/presentationml/2006/main">
+  <p:cSld>
+    <p:spTree>
+      <p:nvGrpSpPr>
+        <p:cNvPr id="1" name=""/>
+        <p:cNvGrpSpPr/>
+        <p:nvPr/>
+      </p:nvGrpSpPr>
+      <p:grpSpPr>
+        <a:xfrm>
+          <a:off x="0" y="0"/>
+          <a:ext cx="0" cy="0"/>
+          <a:chOff x="0" y="0"/>
+          <a:chExt cx="0" cy="0"/>
+        </a:xfrm>
+      </p:grpSpPr>
+      <p:sp>
+        <p:nvSpPr>
+          <p:cNvPr id="2" name="Titel 1"/>
+          <p:cNvSpPr>
+            <a:spLocks noGrp="1"/>
+          </p:cNvSpPr>
+          <p:nvPr>
+            <p:ph type="title"/>
+          </p:nvPr>
+        </p:nvSpPr>
+        <p:spPr/>
+        <p:txBody>
+          <a:bodyPr/>
+          <a:lstStyle/>
+          <a:p>
+            <a:r>
+              <a:rPr lang="en-US" dirty="0" smtClean="0"/>
+              <a:t>Further Development </a:t>
+            </a:r>
+            <a:endParaRPr lang="en-US" dirty="0"/>
+          </a:p>
+        </p:txBody>
+      </p:sp>
+      <p:sp>
+        <p:nvSpPr>
+          <p:cNvPr id="3" name="Pladsholder til indhold 2"/>
+          <p:cNvSpPr>
+            <a:spLocks noGrp="1"/>
+          </p:cNvSpPr>
+          <p:nvPr>
+            <p:ph idx="1"/>
+          </p:nvPr>
+        </p:nvSpPr>
+        <p:spPr/>
+        <p:txBody>
+          <a:bodyPr/>
+          <a:lstStyle/>
+          <a:p>
+            <a:r>
+              <a:rPr lang="en-US" dirty="0" smtClean="0"/>
+              <a:t>Improve Search / Sort</a:t>
+            </a:r>
+          </a:p>
+          <a:p>
+            <a:pPr lvl="1"/>
+            <a:r>
+              <a:rPr lang="en-US" dirty="0"/>
+              <a:t>Natural Language </a:t>
+            </a:r>
+            <a:r>
+              <a:rPr lang="en-US" dirty="0" smtClean="0"/>
+              <a:t>Processing</a:t>
+            </a:r>
+          </a:p>
+          <a:p>
+            <a:r>
+              <a:rPr lang="en-US" dirty="0" smtClean="0"/>
+              <a:t>Improve Awareness</a:t>
+            </a:r>
+          </a:p>
+          <a:p>
+            <a:pPr lvl="1"/>
+            <a:r>
+              <a:rPr lang="en-US" dirty="0" smtClean="0"/>
+              <a:t>Node Connections</a:t>
+            </a:r>
+          </a:p>
+          <a:p>
+            <a:pPr lvl="2"/>
+            <a:r>
+              <a:rPr lang="en-US" dirty="0" smtClean="0"/>
+              <a:t>Closeness</a:t>
+            </a:r>
+          </a:p>
+          <a:p>
+            <a:pPr lvl="1"/>
+            <a:r>
+              <a:rPr lang="en-US" dirty="0" smtClean="0"/>
+              <a:t>Graphical Representation of Connections</a:t>
+            </a:r>
+            <a:endParaRPr lang="en-US" dirty="0"/>
+          </a:p>
+          <a:p>
+            <a:r>
+              <a:rPr lang="en-US" dirty="0" smtClean="0"/>
+              <a:t>Add Advanced Crawling</a:t>
+            </a:r>
+          </a:p>
+          <a:p>
+            <a:r>
+              <a:rPr lang="en-US" dirty="0" smtClean="0"/>
+              <a:t>Circumvent API Limitations</a:t>
+            </a:r>
+          </a:p>
+          <a:p>
+            <a:endParaRPr lang="en-US" dirty="0"/>
+          </a:p>
+        </p:txBody>
+      </p:sp>
+    </p:spTree>
+    <p:extLst>
+      <p:ext uri="{BB962C8B-B14F-4D97-AF65-F5344CB8AC3E}">
+        <p14:creationId xmlns:p14="http://schemas.microsoft.com/office/powerpoint/2010/main" val="578520247"/>
       </p:ext>
     </p:extLst>
   </p:cSld>

--- a/trunk/SSE3/MartinPresentation/project.pptx
+++ b/trunk/SSE3/MartinPresentation/project.pptx
@@ -3120,49 +3120,28 @@
             <a:pPr lvl="1"/>
             <a:r>
               <a:rPr lang="en-US" dirty="0" smtClean="0"/>
-              <a:t>Search, Patterns (</a:t>
-            </a:r>
-            <a:r>
-              <a:rPr lang="en-US" dirty="0" smtClean="0"/>
-              <a:t>Regular Expression)</a:t>
-            </a:r>
-            <a:endParaRPr lang="en-US" dirty="0" smtClean="0"/>
+              <a:t>Search, Patterns (Regular Expression)</a:t>
+            </a:r>
           </a:p>
           <a:p>
             <a:pPr lvl="1"/>
             <a:r>
               <a:rPr lang="en-US" dirty="0" smtClean="0"/>
-              <a:t>Trends, Pattern </a:t>
-            </a:r>
-            <a:r>
-              <a:rPr lang="en-US" dirty="0" smtClean="0"/>
-              <a:t>recognition</a:t>
+              <a:t>Trends, Pattern recognition</a:t>
             </a:r>
           </a:p>
           <a:p>
             <a:pPr lvl="2"/>
             <a:r>
               <a:rPr lang="en-US" dirty="0" smtClean="0"/>
-              <a:t>Early </a:t>
-            </a:r>
-            <a:r>
-              <a:rPr lang="en-US" dirty="0" smtClean="0"/>
-              <a:t>Warning </a:t>
-            </a:r>
-            <a:r>
-              <a:rPr lang="en-US" dirty="0" smtClean="0"/>
-              <a:t>System</a:t>
+              <a:t>Early Warning System</a:t>
             </a:r>
           </a:p>
           <a:p>
             <a:pPr lvl="2"/>
             <a:r>
               <a:rPr lang="en-US" dirty="0" smtClean="0"/>
-              <a:t>M</a:t>
-            </a:r>
-            <a:r>
-              <a:rPr lang="en-US" dirty="0" smtClean="0"/>
-              <a:t>ass Surveillance</a:t>
+              <a:t>Mass Surveillance</a:t>
             </a:r>
           </a:p>
           <a:p>
@@ -3171,7 +3150,6 @@
               <a:rPr lang="en-US" dirty="0" smtClean="0"/>
               <a:t>Total Information Awareness (TIA)</a:t>
             </a:r>
-            <a:endParaRPr lang="en-US" dirty="0" smtClean="0"/>
           </a:p>
           <a:p>
             <a:endParaRPr lang="en-US" dirty="0" smtClean="0"/>
@@ -3275,8 +3253,19 @@
           <a:p>
             <a:r>
               <a:rPr lang="en-US" i="1" dirty="0" smtClean="0"/>
-              <a:t>Tweet ID number</a:t>
-            </a:r>
+              <a:t>Tweet ID </a:t>
+            </a:r>
+            <a:r>
+              <a:rPr lang="en-US" i="1" dirty="0" smtClean="0"/>
+              <a:t>number</a:t>
+            </a:r>
+          </a:p>
+          <a:p>
+            <a:r>
+              <a:rPr lang="en-US" i="1" dirty="0" err="1" smtClean="0"/>
+              <a:t>Geolocation</a:t>
+            </a:r>
+            <a:endParaRPr lang="en-US" i="1" dirty="0" smtClean="0"/>
           </a:p>
           <a:p>
             <a:pPr lvl="1"/>
@@ -3547,8 +3536,8 @@
         </p:blipFill>
         <p:spPr bwMode="auto">
           <a:xfrm>
-            <a:off x="5154152" y="3501008"/>
-            <a:ext cx="3989848" cy="3077923"/>
+            <a:off x="5509819" y="3573016"/>
+            <a:ext cx="3640357" cy="2808312"/>
           </a:xfrm>
           <a:prstGeom prst="rect">
             <a:avLst/>
@@ -3653,11 +3642,7 @@
           <a:p>
             <a:r>
               <a:rPr lang="en-US" dirty="0" smtClean="0"/>
-              <a:t>Gather usin</a:t>
-            </a:r>
-            <a:r>
-              <a:rPr lang="en-US" dirty="0" smtClean="0"/>
-              <a:t>g Twitter API</a:t>
+              <a:t>Gather using Twitter API</a:t>
             </a:r>
           </a:p>
           <a:p>
@@ -3670,15 +3655,7 @@
           <a:p>
             <a:r>
               <a:rPr lang="en-US" dirty="0" smtClean="0"/>
-              <a:t>Limits </a:t>
-            </a:r>
-            <a:r>
-              <a:rPr lang="en-US" dirty="0" smtClean="0"/>
-              <a:t>to Twitter </a:t>
-            </a:r>
-            <a:r>
-              <a:rPr lang="en-US" dirty="0" smtClean="0"/>
-              <a:t>API</a:t>
+              <a:t>Limits to Twitter API</a:t>
             </a:r>
           </a:p>
           <a:p>
@@ -3694,16 +3671,11 @@
               <a:rPr lang="en-US" dirty="0" smtClean="0"/>
               <a:t>Hourly HTTP Request Limit</a:t>
             </a:r>
-            <a:endParaRPr lang="en-US" dirty="0" smtClean="0"/>
-          </a:p>
-          <a:p>
-            <a:r>
-              <a:rPr lang="en-US" dirty="0" smtClean="0"/>
-              <a:t>Crawling </a:t>
-            </a:r>
-            <a:r>
-              <a:rPr lang="en-US" dirty="0" smtClean="0"/>
-              <a:t>Twitter</a:t>
+          </a:p>
+          <a:p>
+            <a:r>
+              <a:rPr lang="en-US" dirty="0" smtClean="0"/>
+              <a:t>Crawling Twitter</a:t>
             </a:r>
           </a:p>
           <a:p>
@@ -3712,7 +3684,6 @@
               <a:rPr lang="en-US" dirty="0" smtClean="0"/>
               <a:t>Find Follower, and Following</a:t>
             </a:r>
-            <a:endParaRPr lang="en-US" dirty="0" smtClean="0"/>
           </a:p>
           <a:p>
             <a:pPr lvl="1"/>

--- a/trunk/SSE3/MartinPresentation/project.pptx
+++ b/trunk/SSE3/MartinPresentation/project.pptx
@@ -3216,13 +3216,27 @@
         </p:nvSpPr>
         <p:spPr/>
         <p:txBody>
-          <a:bodyPr/>
+          <a:bodyPr>
+            <a:normAutofit/>
+          </a:bodyPr>
           <a:lstStyle/>
           <a:p>
             <a:r>
               <a:rPr lang="en-US" i="1" dirty="0" smtClean="0"/>
-              <a:t>140 Characters</a:t>
-            </a:r>
+              <a:t>140 </a:t>
+            </a:r>
+            <a:r>
+              <a:rPr lang="en-US" i="1" dirty="0" smtClean="0"/>
+              <a:t>Characters</a:t>
+            </a:r>
+          </a:p>
+          <a:p>
+            <a:pPr lvl="1"/>
+            <a:r>
+              <a:rPr lang="en-US" i="1" dirty="0" smtClean="0"/>
+              <a:t>String, Tags @#, hyperlinks</a:t>
+            </a:r>
+            <a:endParaRPr lang="en-US" i="1" dirty="0" smtClean="0"/>
           </a:p>
           <a:p>
             <a:r>
@@ -3253,17 +3267,13 @@
           <a:p>
             <a:r>
               <a:rPr lang="en-US" i="1" dirty="0" smtClean="0"/>
-              <a:t>Tweet ID </a:t>
-            </a:r>
+              <a:t>Tweet ID number</a:t>
+            </a:r>
+          </a:p>
+          <a:p>
             <a:r>
               <a:rPr lang="en-US" i="1" dirty="0" smtClean="0"/>
-              <a:t>number</a:t>
-            </a:r>
-          </a:p>
-          <a:p>
-            <a:r>
-              <a:rPr lang="en-US" i="1" dirty="0" err="1" smtClean="0"/>
-              <a:t>Geolocation</a:t>
+              <a:t>Geo location</a:t>
             </a:r>
             <a:endParaRPr lang="en-US" i="1" dirty="0" smtClean="0"/>
           </a:p>
@@ -3296,7 +3306,7 @@
         </p:blipFill>
         <p:spPr bwMode="auto">
           <a:xfrm>
-            <a:off x="5076056" y="2132856"/>
+            <a:off x="5233309" y="1980538"/>
             <a:ext cx="3886200" cy="4543425"/>
           </a:xfrm>
           <a:prstGeom prst="rect">

--- a/trunk/SSE3/MartinPresentation/project.pptx
+++ b/trunk/SSE3/MartinPresentation/project.pptx
@@ -293,7 +293,7 @@
           <a:p>
             <a:fld id="{581C252B-3897-4632-B10A-88C9D804001B}" type="datetimeFigureOut">
               <a:rPr lang="da-DK" smtClean="0"/>
-              <a:t>25-08-2010</a:t>
+              <a:t>26-08-2010</a:t>
             </a:fld>
             <a:endParaRPr lang="en-US"/>
           </a:p>
@@ -458,7 +458,7 @@
           <a:p>
             <a:fld id="{581C252B-3897-4632-B10A-88C9D804001B}" type="datetimeFigureOut">
               <a:rPr lang="da-DK" smtClean="0"/>
-              <a:t>25-08-2010</a:t>
+              <a:t>26-08-2010</a:t>
             </a:fld>
             <a:endParaRPr lang="en-US"/>
           </a:p>
@@ -633,7 +633,7 @@
           <a:p>
             <a:fld id="{581C252B-3897-4632-B10A-88C9D804001B}" type="datetimeFigureOut">
               <a:rPr lang="da-DK" smtClean="0"/>
-              <a:t>25-08-2010</a:t>
+              <a:t>26-08-2010</a:t>
             </a:fld>
             <a:endParaRPr lang="en-US"/>
           </a:p>
@@ -798,7 +798,7 @@
           <a:p>
             <a:fld id="{581C252B-3897-4632-B10A-88C9D804001B}" type="datetimeFigureOut">
               <a:rPr lang="da-DK" smtClean="0"/>
-              <a:t>25-08-2010</a:t>
+              <a:t>26-08-2010</a:t>
             </a:fld>
             <a:endParaRPr lang="en-US"/>
           </a:p>
@@ -1039,7 +1039,7 @@
           <a:p>
             <a:fld id="{581C252B-3897-4632-B10A-88C9D804001B}" type="datetimeFigureOut">
               <a:rPr lang="da-DK" smtClean="0"/>
-              <a:t>25-08-2010</a:t>
+              <a:t>26-08-2010</a:t>
             </a:fld>
             <a:endParaRPr lang="en-US"/>
           </a:p>
@@ -1322,7 +1322,7 @@
           <a:p>
             <a:fld id="{581C252B-3897-4632-B10A-88C9D804001B}" type="datetimeFigureOut">
               <a:rPr lang="da-DK" smtClean="0"/>
-              <a:t>25-08-2010</a:t>
+              <a:t>26-08-2010</a:t>
             </a:fld>
             <a:endParaRPr lang="en-US"/>
           </a:p>
@@ -1739,7 +1739,7 @@
           <a:p>
             <a:fld id="{581C252B-3897-4632-B10A-88C9D804001B}" type="datetimeFigureOut">
               <a:rPr lang="da-DK" smtClean="0"/>
-              <a:t>25-08-2010</a:t>
+              <a:t>26-08-2010</a:t>
             </a:fld>
             <a:endParaRPr lang="en-US"/>
           </a:p>
@@ -1852,7 +1852,7 @@
           <a:p>
             <a:fld id="{581C252B-3897-4632-B10A-88C9D804001B}" type="datetimeFigureOut">
               <a:rPr lang="da-DK" smtClean="0"/>
-              <a:t>25-08-2010</a:t>
+              <a:t>26-08-2010</a:t>
             </a:fld>
             <a:endParaRPr lang="en-US"/>
           </a:p>
@@ -1942,7 +1942,7 @@
           <a:p>
             <a:fld id="{581C252B-3897-4632-B10A-88C9D804001B}" type="datetimeFigureOut">
               <a:rPr lang="da-DK" smtClean="0"/>
-              <a:t>25-08-2010</a:t>
+              <a:t>26-08-2010</a:t>
             </a:fld>
             <a:endParaRPr lang="en-US"/>
           </a:p>
@@ -2214,7 +2214,7 @@
           <a:p>
             <a:fld id="{581C252B-3897-4632-B10A-88C9D804001B}" type="datetimeFigureOut">
               <a:rPr lang="da-DK" smtClean="0"/>
-              <a:t>25-08-2010</a:t>
+              <a:t>26-08-2010</a:t>
             </a:fld>
             <a:endParaRPr lang="en-US"/>
           </a:p>
@@ -2462,7 +2462,7 @@
           <a:p>
             <a:fld id="{581C252B-3897-4632-B10A-88C9D804001B}" type="datetimeFigureOut">
               <a:rPr lang="da-DK" smtClean="0"/>
-              <a:t>25-08-2010</a:t>
+              <a:t>26-08-2010</a:t>
             </a:fld>
             <a:endParaRPr lang="en-US"/>
           </a:p>
@@ -2670,7 +2670,7 @@
           <a:p>
             <a:fld id="{581C252B-3897-4632-B10A-88C9D804001B}" type="datetimeFigureOut">
               <a:rPr lang="da-DK" smtClean="0"/>
-              <a:t>25-08-2010</a:t>
+              <a:t>26-08-2010</a:t>
             </a:fld>
             <a:endParaRPr lang="en-US"/>
           </a:p>
@@ -3223,11 +3223,7 @@
           <a:p>
             <a:r>
               <a:rPr lang="en-US" i="1" dirty="0" smtClean="0"/>
-              <a:t>140 </a:t>
-            </a:r>
-            <a:r>
-              <a:rPr lang="en-US" i="1" dirty="0" smtClean="0"/>
-              <a:t>Characters</a:t>
+              <a:t>140 Characters</a:t>
             </a:r>
           </a:p>
           <a:p>
@@ -3236,7 +3232,6 @@
               <a:rPr lang="en-US" i="1" dirty="0" smtClean="0"/>
               <a:t>String, Tags @#, hyperlinks</a:t>
             </a:r>
-            <a:endParaRPr lang="en-US" i="1" dirty="0" smtClean="0"/>
           </a:p>
           <a:p>
             <a:r>
@@ -3275,7 +3270,6 @@
               <a:rPr lang="en-US" i="1" dirty="0" smtClean="0"/>
               <a:t>Geo location</a:t>
             </a:r>
-            <a:endParaRPr lang="en-US" i="1" dirty="0" smtClean="0"/>
           </a:p>
           <a:p>
             <a:pPr lvl="1"/>
@@ -3878,8 +3872,13 @@
             <a:pPr lvl="2"/>
             <a:r>
               <a:rPr lang="en-US" dirty="0" smtClean="0"/>
-              <a:t>Closeness</a:t>
-            </a:r>
+              <a:t>Closeness, other </a:t>
+            </a:r>
+            <a:r>
+              <a:rPr lang="en-US" smtClean="0"/>
+              <a:t>Node Patterns</a:t>
+            </a:r>
+            <a:endParaRPr lang="en-US" dirty="0" smtClean="0"/>
           </a:p>
           <a:p>
             <a:pPr lvl="1"/>
